--- a/Slide_APCS/CH5 暴力法 (Brute Force).pptx
+++ b/Slide_APCS/CH5 暴力法 (Brute Force).pptx
@@ -845,7 +845,7 @@
             <a:fld id="{B61BEF0D-F0BB-DE4B-95CE-6DB70DBA9567}" type="datetimeFigureOut">
               <a:rPr lang="en-US" dirty="0"/>
               <a:pPr/>
-              <a:t>8/14/19</a:t>
+              <a:t>9/26/19</a:t>
             </a:fld>
             <a:endParaRPr lang="en-US" dirty="0"/>
           </a:p>
@@ -1093,7 +1093,7 @@
             <a:fld id="{B61BEF0D-F0BB-DE4B-95CE-6DB70DBA9567}" type="datetimeFigureOut">
               <a:rPr lang="en-US" dirty="0"/>
               <a:pPr/>
-              <a:t>8/14/19</a:t>
+              <a:t>9/26/19</a:t>
             </a:fld>
             <a:endParaRPr lang="en-US" dirty="0"/>
           </a:p>
@@ -1404,7 +1404,7 @@
             <a:fld id="{B61BEF0D-F0BB-DE4B-95CE-6DB70DBA9567}" type="datetimeFigureOut">
               <a:rPr lang="en-US" dirty="0"/>
               <a:pPr/>
-              <a:t>8/14/19</a:t>
+              <a:t>9/26/19</a:t>
             </a:fld>
             <a:endParaRPr lang="en-US" dirty="0"/>
           </a:p>
@@ -1742,7 +1742,7 @@
             <a:fld id="{B61BEF0D-F0BB-DE4B-95CE-6DB70DBA9567}" type="datetimeFigureOut">
               <a:rPr lang="en-US" dirty="0"/>
               <a:pPr/>
-              <a:t>8/14/19</a:t>
+              <a:t>9/26/19</a:t>
             </a:fld>
             <a:endParaRPr lang="en-US" dirty="0"/>
           </a:p>
@@ -2053,7 +2053,7 @@
             <a:fld id="{B61BEF0D-F0BB-DE4B-95CE-6DB70DBA9567}" type="datetimeFigureOut">
               <a:rPr lang="en-US" dirty="0"/>
               <a:pPr/>
-              <a:t>8/14/19</a:t>
+              <a:t>9/26/19</a:t>
             </a:fld>
             <a:endParaRPr lang="en-US" dirty="0"/>
           </a:p>
@@ -2443,7 +2443,7 @@
             <a:fld id="{B61BEF0D-F0BB-DE4B-95CE-6DB70DBA9567}" type="datetimeFigureOut">
               <a:rPr lang="en-US" dirty="0"/>
               <a:pPr/>
-              <a:t>8/14/19</a:t>
+              <a:t>9/26/19</a:t>
             </a:fld>
             <a:endParaRPr lang="en-US" dirty="0"/>
           </a:p>
@@ -2609,7 +2609,7 @@
           <a:p>
             <a:fld id="{55C6B4A9-1611-4792-9094-5F34BCA07E0B}" type="datetimeFigureOut">
               <a:rPr lang="en-US" dirty="0"/>
-              <a:t>8/14/19</a:t>
+              <a:t>9/26/19</a:t>
             </a:fld>
             <a:endParaRPr lang="en-US" dirty="0"/>
           </a:p>
@@ -2785,7 +2785,7 @@
             <a:fld id="{B61BEF0D-F0BB-DE4B-95CE-6DB70DBA9567}" type="datetimeFigureOut">
               <a:rPr lang="en-US" dirty="0"/>
               <a:pPr/>
-              <a:t>8/14/19</a:t>
+              <a:t>9/26/19</a:t>
             </a:fld>
             <a:endParaRPr lang="en-US" dirty="0"/>
           </a:p>
@@ -2958,7 +2958,7 @@
             <a:fld id="{B61BEF0D-F0BB-DE4B-95CE-6DB70DBA9567}" type="datetimeFigureOut">
               <a:rPr lang="en-US" dirty="0"/>
               <a:pPr/>
-              <a:t>8/14/19</a:t>
+              <a:t>9/26/19</a:t>
             </a:fld>
             <a:endParaRPr lang="en-US" dirty="0"/>
           </a:p>
@@ -3202,7 +3202,7 @@
             <a:fld id="{B61BEF0D-F0BB-DE4B-95CE-6DB70DBA9567}" type="datetimeFigureOut">
               <a:rPr lang="en-US" dirty="0"/>
               <a:pPr/>
-              <a:t>8/14/19</a:t>
+              <a:t>9/26/19</a:t>
             </a:fld>
             <a:endParaRPr lang="en-US" dirty="0"/>
           </a:p>
@@ -3430,7 +3430,7 @@
           <a:p>
             <a:fld id="{EB712588-04B1-427B-82EE-E8DB90309F08}" type="datetimeFigureOut">
               <a:rPr lang="en-US" dirty="0"/>
-              <a:t>8/14/19</a:t>
+              <a:t>9/26/19</a:t>
             </a:fld>
             <a:endParaRPr lang="en-US" dirty="0"/>
           </a:p>
@@ -3800,7 +3800,7 @@
             <a:fld id="{B61BEF0D-F0BB-DE4B-95CE-6DB70DBA9567}" type="datetimeFigureOut">
               <a:rPr lang="en-US" dirty="0"/>
               <a:pPr/>
-              <a:t>8/14/19</a:t>
+              <a:t>9/26/19</a:t>
             </a:fld>
             <a:endParaRPr lang="en-US" dirty="0"/>
           </a:p>
@@ -3920,7 +3920,7 @@
             <a:fld id="{B61BEF0D-F0BB-DE4B-95CE-6DB70DBA9567}" type="datetimeFigureOut">
               <a:rPr lang="en-US" dirty="0"/>
               <a:pPr/>
-              <a:t>8/14/19</a:t>
+              <a:t>9/26/19</a:t>
             </a:fld>
             <a:endParaRPr lang="en-US" dirty="0"/>
           </a:p>
@@ -4012,7 +4012,7 @@
             <a:fld id="{B61BEF0D-F0BB-DE4B-95CE-6DB70DBA9567}" type="datetimeFigureOut">
               <a:rPr lang="en-US" dirty="0"/>
               <a:pPr/>
-              <a:t>8/14/19</a:t>
+              <a:t>9/26/19</a:t>
             </a:fld>
             <a:endParaRPr lang="en-US" dirty="0"/>
           </a:p>
@@ -4263,7 +4263,7 @@
           <a:p>
             <a:fld id="{42A54C80-263E-416B-A8E0-580EDEADCBDC}" type="datetimeFigureOut">
               <a:rPr lang="en-US" dirty="0"/>
-              <a:t>8/14/19</a:t>
+              <a:t>9/26/19</a:t>
             </a:fld>
             <a:endParaRPr lang="en-US" dirty="0"/>
           </a:p>
@@ -4522,7 +4522,7 @@
             <a:fld id="{B61BEF0D-F0BB-DE4B-95CE-6DB70DBA9567}" type="datetimeFigureOut">
               <a:rPr lang="en-US" dirty="0"/>
               <a:pPr/>
-              <a:t>8/14/19</a:t>
+              <a:t>9/26/19</a:t>
             </a:fld>
             <a:endParaRPr lang="en-US" dirty="0"/>
           </a:p>
@@ -5262,7 +5262,7 @@
             <a:fld id="{B61BEF0D-F0BB-DE4B-95CE-6DB70DBA9567}" type="datetimeFigureOut">
               <a:rPr lang="en-US" dirty="0"/>
               <a:pPr/>
-              <a:t>8/14/19</a:t>
+              <a:t>9/26/19</a:t>
             </a:fld>
             <a:endParaRPr lang="en-US" dirty="0"/>
           </a:p>
@@ -5803,7 +5803,6 @@
           <a:bodyPr/>
           <a:lstStyle/>
           <a:p>
-            <a:pPr algn="l"/>
             <a:r>
               <a:rPr kumimoji="1" lang="en-US" altLang="zh-TW" dirty="0"/>
               <a:t>CH5 </a:t>
@@ -6003,6 +6002,73 @@
         <p:txBody>
           <a:bodyPr/>
           <a:lstStyle/>
+          <a:p>
+            <a:endParaRPr kumimoji="1" lang="en-US" altLang="zh-TW" dirty="0"/>
+          </a:p>
+          <a:p>
+            <a:r>
+              <a:rPr lang="zh-TW" altLang="en-US" b="1" dirty="0"/>
+              <a:t>埃拉托斯特尼篩法</a:t>
+            </a:r>
+            <a:endParaRPr lang="en-US" altLang="zh-TW" b="1" dirty="0"/>
+          </a:p>
+          <a:p>
+            <a:pPr marL="0" indent="0">
+              <a:buNone/>
+            </a:pPr>
+            <a:r>
+              <a:rPr lang="en-US" altLang="zh-TW" dirty="0"/>
+              <a:t>(</a:t>
+            </a:r>
+            <a:r>
+              <a:rPr lang="zh-TW" altLang="en-US" dirty="0">
+                <a:hlinkClick r:id="rId2" tooltip="希臘語"/>
+              </a:rPr>
+              <a:t>希臘語</a:t>
+            </a:r>
+            <a:r>
+              <a:rPr lang="zh-TW" altLang="en-US" dirty="0"/>
+              <a:t>：</a:t>
+            </a:r>
+            <a:r>
+              <a:rPr lang="el-GR" altLang="zh-TW" dirty="0" err="1"/>
+              <a:t>κόσκινον</a:t>
+            </a:r>
+            <a:r>
+              <a:rPr lang="el-GR" altLang="zh-TW" dirty="0"/>
+              <a:t> </a:t>
+            </a:r>
+            <a:r>
+              <a:rPr lang="el-GR" altLang="zh-TW" dirty="0" err="1"/>
+              <a:t>Ἐρατοσθένους</a:t>
+            </a:r>
+            <a:r>
+              <a:rPr lang="en-US" altLang="zh-TW" dirty="0"/>
+              <a:t>)</a:t>
+            </a:r>
+          </a:p>
+          <a:p>
+            <a:pPr marL="0" indent="0">
+              <a:buNone/>
+            </a:pPr>
+            <a:r>
+              <a:rPr lang="en-US" altLang="zh-TW" dirty="0"/>
+              <a:t>(</a:t>
+            </a:r>
+            <a:r>
+              <a:rPr lang="zh-TW" altLang="en-US" dirty="0"/>
+              <a:t>英語：</a:t>
+            </a:r>
+            <a:r>
+              <a:rPr lang="en" altLang="zh-TW" dirty="0"/>
+              <a:t>sieve of Eratosthenes</a:t>
+            </a:r>
+            <a:r>
+              <a:rPr lang="en-US" altLang="zh-TW" dirty="0"/>
+              <a:t>)</a:t>
+            </a:r>
+            <a:endParaRPr kumimoji="1" lang="en-US" altLang="zh-TW" dirty="0"/>
+          </a:p>
           <a:p>
             <a:r>
               <a:rPr kumimoji="1" lang="zh-TW" altLang="en-US" dirty="0"/>
@@ -9068,14 +9134,14 @@
           <p:nvPr/>
         </p:nvPicPr>
         <p:blipFill>
-          <a:blip r:embed="rId2"/>
+          <a:blip r:embed="rId3"/>
           <a:stretch>
             <a:fillRect/>
           </a:stretch>
         </p:blipFill>
         <p:spPr>
           <a:xfrm>
-            <a:off x="4474341" y="1534511"/>
+            <a:off x="5067225" y="1595888"/>
             <a:ext cx="5156200" cy="2971800"/>
           </a:xfrm>
           <a:prstGeom prst="rect">
